--- a/Phân quyền Quản Lý Cửa Hàng.pptx
+++ b/Phân quyền Quản Lý Cửa Hàng.pptx
@@ -6,8 +6,10 @@
   </p:sldMasterIdLst>
   <p:sldIdLst>
     <p:sldId id="256" r:id="rId2"/>
-    <p:sldId id="262" r:id="rId3"/>
-    <p:sldId id="264" r:id="rId4"/>
+    <p:sldId id="265" r:id="rId3"/>
+    <p:sldId id="262" r:id="rId4"/>
+    <p:sldId id="266" r:id="rId5"/>
+    <p:sldId id="264" r:id="rId6"/>
   </p:sldIdLst>
   <p:sldSz cx="12192000" cy="6858000"/>
   <p:notesSz cx="6858000" cy="9144000"/>
@@ -261,7 +263,7 @@
           <a:p>
             <a:fld id="{C2B9569D-F428-4FC9-978A-125233DB5298}" type="datetimeFigureOut">
               <a:rPr lang="en-US" smtClean="0"/>
-              <a:t>22/10/2024</a:t>
+              <a:t>19/12/2024</a:t>
             </a:fld>
             <a:endParaRPr lang="en-US"/>
           </a:p>
@@ -459,7 +461,7 @@
           <a:p>
             <a:fld id="{C2B9569D-F428-4FC9-978A-125233DB5298}" type="datetimeFigureOut">
               <a:rPr lang="en-US" smtClean="0"/>
-              <a:t>22/10/2024</a:t>
+              <a:t>19/12/2024</a:t>
             </a:fld>
             <a:endParaRPr lang="en-US"/>
           </a:p>
@@ -667,7 +669,7 @@
           <a:p>
             <a:fld id="{C2B9569D-F428-4FC9-978A-125233DB5298}" type="datetimeFigureOut">
               <a:rPr lang="en-US" smtClean="0"/>
-              <a:t>22/10/2024</a:t>
+              <a:t>19/12/2024</a:t>
             </a:fld>
             <a:endParaRPr lang="en-US"/>
           </a:p>
@@ -865,7 +867,7 @@
           <a:p>
             <a:fld id="{C2B9569D-F428-4FC9-978A-125233DB5298}" type="datetimeFigureOut">
               <a:rPr lang="en-US" smtClean="0"/>
-              <a:t>22/10/2024</a:t>
+              <a:t>19/12/2024</a:t>
             </a:fld>
             <a:endParaRPr lang="en-US"/>
           </a:p>
@@ -1140,7 +1142,7 @@
           <a:p>
             <a:fld id="{C2B9569D-F428-4FC9-978A-125233DB5298}" type="datetimeFigureOut">
               <a:rPr lang="en-US" smtClean="0"/>
-              <a:t>22/10/2024</a:t>
+              <a:t>19/12/2024</a:t>
             </a:fld>
             <a:endParaRPr lang="en-US"/>
           </a:p>
@@ -1405,7 +1407,7 @@
           <a:p>
             <a:fld id="{C2B9569D-F428-4FC9-978A-125233DB5298}" type="datetimeFigureOut">
               <a:rPr lang="en-US" smtClean="0"/>
-              <a:t>22/10/2024</a:t>
+              <a:t>19/12/2024</a:t>
             </a:fld>
             <a:endParaRPr lang="en-US"/>
           </a:p>
@@ -1817,7 +1819,7 @@
           <a:p>
             <a:fld id="{C2B9569D-F428-4FC9-978A-125233DB5298}" type="datetimeFigureOut">
               <a:rPr lang="en-US" smtClean="0"/>
-              <a:t>22/10/2024</a:t>
+              <a:t>19/12/2024</a:t>
             </a:fld>
             <a:endParaRPr lang="en-US"/>
           </a:p>
@@ -1958,7 +1960,7 @@
           <a:p>
             <a:fld id="{C2B9569D-F428-4FC9-978A-125233DB5298}" type="datetimeFigureOut">
               <a:rPr lang="en-US" smtClean="0"/>
-              <a:t>22/10/2024</a:t>
+              <a:t>19/12/2024</a:t>
             </a:fld>
             <a:endParaRPr lang="en-US"/>
           </a:p>
@@ -2071,7 +2073,7 @@
           <a:p>
             <a:fld id="{C2B9569D-F428-4FC9-978A-125233DB5298}" type="datetimeFigureOut">
               <a:rPr lang="en-US" smtClean="0"/>
-              <a:t>22/10/2024</a:t>
+              <a:t>19/12/2024</a:t>
             </a:fld>
             <a:endParaRPr lang="en-US"/>
           </a:p>
@@ -2382,7 +2384,7 @@
           <a:p>
             <a:fld id="{C2B9569D-F428-4FC9-978A-125233DB5298}" type="datetimeFigureOut">
               <a:rPr lang="en-US" smtClean="0"/>
-              <a:t>22/10/2024</a:t>
+              <a:t>19/12/2024</a:t>
             </a:fld>
             <a:endParaRPr lang="en-US"/>
           </a:p>
@@ -2670,7 +2672,7 @@
           <a:p>
             <a:fld id="{C2B9569D-F428-4FC9-978A-125233DB5298}" type="datetimeFigureOut">
               <a:rPr lang="en-US" smtClean="0"/>
-              <a:t>22/10/2024</a:t>
+              <a:t>19/12/2024</a:t>
             </a:fld>
             <a:endParaRPr lang="en-US"/>
           </a:p>
@@ -2911,7 +2913,7 @@
           <a:p>
             <a:fld id="{C2B9569D-F428-4FC9-978A-125233DB5298}" type="datetimeFigureOut">
               <a:rPr lang="en-US" smtClean="0"/>
-              <a:t>22/10/2024</a:t>
+              <a:t>19/12/2024</a:t>
             </a:fld>
             <a:endParaRPr lang="en-US"/>
           </a:p>
@@ -3357,20 +3359,12 @@
           <a:lstStyle/>
           <a:p>
             <a:r>
-              <a:rPr lang="en-US" dirty="0" err="1"/>
+              <a:rPr lang="en-US" err="1"/>
               <a:t>Nếu</a:t>
             </a:r>
             <a:r>
-              <a:rPr lang="en-US" dirty="0"/>
-              <a:t> </a:t>
-            </a:r>
-            <a:r>
-              <a:rPr lang="en-US" dirty="0" err="1"/>
-              <a:t>trao</a:t>
-            </a:r>
-            <a:r>
-              <a:rPr lang="en-US" dirty="0"/>
-              <a:t> </a:t>
+              <a:rPr lang="en-US"/>
+              <a:t> phân </a:t>
             </a:r>
             <a:r>
               <a:rPr lang="en-US" dirty="0" err="1"/>
@@ -3833,16 +3827,22 @@
               <a:t> </a:t>
             </a:r>
             <a:r>
-              <a:rPr lang="en-US" dirty="0" err="1">
+              <a:rPr lang="en-US" err="1">
                 <a:sym typeface="Wingdings" panose="05000000000000000000" pitchFamily="2" charset="2"/>
               </a:rPr>
               <a:t>cửa</a:t>
+            </a:r>
+            <a:r>
+              <a:rPr lang="en-US">
+                <a:sym typeface="Wingdings" panose="05000000000000000000" pitchFamily="2" charset="2"/>
+              </a:rPr>
+              <a:t> hàng </a:t>
             </a:r>
             <a:r>
               <a:rPr lang="en-US" dirty="0">
                 <a:sym typeface="Wingdings" panose="05000000000000000000" pitchFamily="2" charset="2"/>
               </a:rPr>
-              <a:t> hang ” , </a:t>
+              <a:t>” , </a:t>
             </a:r>
             <a:r>
               <a:rPr lang="en-US" dirty="0" err="1">
@@ -4774,6 +4774,101 @@
           <a:chExt cx="0" cy="0"/>
         </a:xfrm>
       </p:grpSpPr>
+      <p:sp>
+        <p:nvSpPr>
+          <p:cNvPr id="2" name="Title 1">
+            <a:extLst>
+              <a:ext uri="{FF2B5EF4-FFF2-40B4-BE49-F238E27FC236}">
+                <a16:creationId xmlns:a16="http://schemas.microsoft.com/office/drawing/2014/main" id="{F7B177EE-5B0A-438D-AB4A-4EF1EF7396E8}"/>
+              </a:ext>
+            </a:extLst>
+          </p:cNvPr>
+          <p:cNvSpPr>
+            <a:spLocks noGrp="1"/>
+          </p:cNvSpPr>
+          <p:nvPr>
+            <p:ph type="title"/>
+          </p:nvPr>
+        </p:nvSpPr>
+        <p:spPr>
+          <a:xfrm>
+            <a:off x="838200" y="160939"/>
+            <a:ext cx="10515600" cy="851116"/>
+          </a:xfrm>
+        </p:spPr>
+        <p:txBody>
+          <a:bodyPr/>
+          <a:lstStyle/>
+          <a:p>
+            <a:r>
+              <a:rPr lang="en-US"/>
+              <a:t>Cài Plugin Membership để chỉnh quyền.</a:t>
+            </a:r>
+          </a:p>
+        </p:txBody>
+      </p:sp>
+      <p:pic>
+        <p:nvPicPr>
+          <p:cNvPr id="4" name="Content Placeholder 3">
+            <a:extLst>
+              <a:ext uri="{FF2B5EF4-FFF2-40B4-BE49-F238E27FC236}">
+                <a16:creationId xmlns:a16="http://schemas.microsoft.com/office/drawing/2014/main" id="{F30A2FE0-DDAB-4213-8D91-A45B1EECA014}"/>
+              </a:ext>
+            </a:extLst>
+          </p:cNvPr>
+          <p:cNvPicPr>
+            <a:picLocks noGrp="1" noChangeAspect="1"/>
+          </p:cNvPicPr>
+          <p:nvPr>
+            <p:ph idx="1"/>
+          </p:nvPr>
+        </p:nvPicPr>
+        <p:blipFill>
+          <a:blip r:embed="rId2"/>
+          <a:stretch>
+            <a:fillRect/>
+          </a:stretch>
+        </p:blipFill>
+        <p:spPr>
+          <a:xfrm>
+            <a:off x="1246018" y="1351042"/>
+            <a:ext cx="5296639" cy="3839111"/>
+          </a:xfrm>
+          <a:prstGeom prst="rect">
+            <a:avLst/>
+          </a:prstGeom>
+        </p:spPr>
+      </p:pic>
+    </p:spTree>
+    <p:extLst>
+      <p:ext uri="{BB962C8B-B14F-4D97-AF65-F5344CB8AC3E}">
+        <p14:creationId xmlns:p14="http://schemas.microsoft.com/office/powerpoint/2010/main" val="1964268106"/>
+      </p:ext>
+    </p:extLst>
+  </p:cSld>
+  <p:clrMapOvr>
+    <a:masterClrMapping/>
+  </p:clrMapOvr>
+</p:sld>
+</file>
+
+<file path=ppt/slides/slide3.xml><?xml version="1.0" encoding="utf-8"?>
+<p:sld xmlns:a="http://schemas.openxmlformats.org/drawingml/2006/main" xmlns:r="http://schemas.openxmlformats.org/officeDocument/2006/relationships" xmlns:p="http://schemas.openxmlformats.org/presentationml/2006/main">
+  <p:cSld>
+    <p:spTree>
+      <p:nvGrpSpPr>
+        <p:cNvPr id="1" name=""/>
+        <p:cNvGrpSpPr/>
+        <p:nvPr/>
+      </p:nvGrpSpPr>
+      <p:grpSpPr>
+        <a:xfrm>
+          <a:off x="0" y="0"/>
+          <a:ext cx="0" cy="0"/>
+          <a:chOff x="0" y="0"/>
+          <a:chExt cx="0" cy="0"/>
+        </a:xfrm>
+      </p:grpSpPr>
       <p:pic>
         <p:nvPicPr>
           <p:cNvPr id="4" name="Picture 3">
@@ -4852,7 +4947,102 @@
 </p:sld>
 </file>
 
-<file path=ppt/slides/slide3.xml><?xml version="1.0" encoding="utf-8"?>
+<file path=ppt/slides/slide4.xml><?xml version="1.0" encoding="utf-8"?>
+<p:sld xmlns:a="http://schemas.openxmlformats.org/drawingml/2006/main" xmlns:r="http://schemas.openxmlformats.org/officeDocument/2006/relationships" xmlns:p="http://schemas.openxmlformats.org/presentationml/2006/main">
+  <p:cSld>
+    <p:spTree>
+      <p:nvGrpSpPr>
+        <p:cNvPr id="1" name=""/>
+        <p:cNvGrpSpPr/>
+        <p:nvPr/>
+      </p:nvGrpSpPr>
+      <p:grpSpPr>
+        <a:xfrm>
+          <a:off x="0" y="0"/>
+          <a:ext cx="0" cy="0"/>
+          <a:chOff x="0" y="0"/>
+          <a:chExt cx="0" cy="0"/>
+        </a:xfrm>
+      </p:grpSpPr>
+      <p:pic>
+        <p:nvPicPr>
+          <p:cNvPr id="4" name="Picture 3">
+            <a:extLst>
+              <a:ext uri="{FF2B5EF4-FFF2-40B4-BE49-F238E27FC236}">
+                <a16:creationId xmlns:a16="http://schemas.microsoft.com/office/drawing/2014/main" id="{4DD7CCC9-CE7D-4DA7-8E37-D9BB52370929}"/>
+              </a:ext>
+            </a:extLst>
+          </p:cNvPr>
+          <p:cNvPicPr>
+            <a:picLocks noChangeAspect="1"/>
+          </p:cNvPicPr>
+          <p:nvPr/>
+        </p:nvPicPr>
+        <p:blipFill>
+          <a:blip r:embed="rId2"/>
+          <a:stretch>
+            <a:fillRect/>
+          </a:stretch>
+        </p:blipFill>
+        <p:spPr>
+          <a:xfrm>
+            <a:off x="137604" y="166862"/>
+            <a:ext cx="11683014" cy="5452703"/>
+          </a:xfrm>
+          <a:prstGeom prst="rect">
+            <a:avLst/>
+          </a:prstGeom>
+        </p:spPr>
+      </p:pic>
+      <p:sp>
+        <p:nvSpPr>
+          <p:cNvPr id="5" name="TextBox 4">
+            <a:extLst>
+              <a:ext uri="{FF2B5EF4-FFF2-40B4-BE49-F238E27FC236}">
+                <a16:creationId xmlns:a16="http://schemas.microsoft.com/office/drawing/2014/main" id="{F1CBE5C4-8ADC-48A2-AD08-A7C59E48BE92}"/>
+              </a:ext>
+            </a:extLst>
+          </p:cNvPr>
+          <p:cNvSpPr txBox="1"/>
+          <p:nvPr/>
+        </p:nvSpPr>
+        <p:spPr>
+          <a:xfrm>
+            <a:off x="275208" y="5734974"/>
+            <a:ext cx="11407806" cy="369332"/>
+          </a:xfrm>
+          <a:prstGeom prst="rect">
+            <a:avLst/>
+          </a:prstGeom>
+          <a:noFill/>
+        </p:spPr>
+        <p:txBody>
+          <a:bodyPr wrap="square" rtlCol="0">
+            <a:spAutoFit/>
+          </a:bodyPr>
+          <a:lstStyle/>
+          <a:p>
+            <a:r>
+              <a:rPr lang="en-US"/>
+              <a:t>Quyền mặc định</a:t>
+            </a:r>
+          </a:p>
+        </p:txBody>
+      </p:sp>
+    </p:spTree>
+    <p:extLst>
+      <p:ext uri="{BB962C8B-B14F-4D97-AF65-F5344CB8AC3E}">
+        <p14:creationId xmlns:p14="http://schemas.microsoft.com/office/powerpoint/2010/main" val="1136571498"/>
+      </p:ext>
+    </p:extLst>
+  </p:cSld>
+  <p:clrMapOvr>
+    <a:masterClrMapping/>
+  </p:clrMapOvr>
+</p:sld>
+</file>
+
+<file path=ppt/slides/slide5.xml><?xml version="1.0" encoding="utf-8"?>
 <p:sld xmlns:a="http://schemas.openxmlformats.org/drawingml/2006/main" xmlns:r="http://schemas.openxmlformats.org/officeDocument/2006/relationships" xmlns:p="http://schemas.openxmlformats.org/presentationml/2006/main">
   <p:cSld>
     <p:spTree>
